--- a/Presentations/Taxonomy.pptx
+++ b/Presentations/Taxonomy.pptx
@@ -105,6 +105,11 @@
       </a:defRPr>
     </a:lvl9pPr>
   </p:defaultTextStyle>
+  <p:extLst>
+    <p:ext uri="{EFAFB233-063F-42B5-8137-9DF3F51BA10A}">
+      <p15:sldGuideLst xmlns:p15="http://schemas.microsoft.com/office/powerpoint/2012/main"/>
+    </p:ext>
+  </p:extLst>
 </p:presentation>
 </file>
 
@@ -257,7 +262,7 @@
           <a:p>
             <a:fld id="{7094B5B1-EFDE-2547-B3A0-3131979DC9B8}" type="datetimeFigureOut">
               <a:rPr lang="en-US" smtClean="0"/>
-              <a:t>6/25/21</a:t>
+              <a:t>9/20/21</a:t>
             </a:fld>
             <a:endParaRPr lang="en-US"/>
           </a:p>
@@ -457,7 +462,7 @@
           <a:p>
             <a:fld id="{7094B5B1-EFDE-2547-B3A0-3131979DC9B8}" type="datetimeFigureOut">
               <a:rPr lang="en-US" smtClean="0"/>
-              <a:t>6/25/21</a:t>
+              <a:t>9/20/21</a:t>
             </a:fld>
             <a:endParaRPr lang="en-US"/>
           </a:p>
@@ -667,7 +672,7 @@
           <a:p>
             <a:fld id="{7094B5B1-EFDE-2547-B3A0-3131979DC9B8}" type="datetimeFigureOut">
               <a:rPr lang="en-US" smtClean="0"/>
-              <a:t>6/25/21</a:t>
+              <a:t>9/20/21</a:t>
             </a:fld>
             <a:endParaRPr lang="en-US"/>
           </a:p>
@@ -867,7 +872,7 @@
           <a:p>
             <a:fld id="{7094B5B1-EFDE-2547-B3A0-3131979DC9B8}" type="datetimeFigureOut">
               <a:rPr lang="en-US" smtClean="0"/>
-              <a:t>6/25/21</a:t>
+              <a:t>9/20/21</a:t>
             </a:fld>
             <a:endParaRPr lang="en-US"/>
           </a:p>
@@ -1143,7 +1148,7 @@
           <a:p>
             <a:fld id="{7094B5B1-EFDE-2547-B3A0-3131979DC9B8}" type="datetimeFigureOut">
               <a:rPr lang="en-US" smtClean="0"/>
-              <a:t>6/25/21</a:t>
+              <a:t>9/20/21</a:t>
             </a:fld>
             <a:endParaRPr lang="en-US"/>
           </a:p>
@@ -1411,7 +1416,7 @@
           <a:p>
             <a:fld id="{7094B5B1-EFDE-2547-B3A0-3131979DC9B8}" type="datetimeFigureOut">
               <a:rPr lang="en-US" smtClean="0"/>
-              <a:t>6/25/21</a:t>
+              <a:t>9/20/21</a:t>
             </a:fld>
             <a:endParaRPr lang="en-US"/>
           </a:p>
@@ -1826,7 +1831,7 @@
           <a:p>
             <a:fld id="{7094B5B1-EFDE-2547-B3A0-3131979DC9B8}" type="datetimeFigureOut">
               <a:rPr lang="en-US" smtClean="0"/>
-              <a:t>6/25/21</a:t>
+              <a:t>9/20/21</a:t>
             </a:fld>
             <a:endParaRPr lang="en-US"/>
           </a:p>
@@ -1968,7 +1973,7 @@
           <a:p>
             <a:fld id="{7094B5B1-EFDE-2547-B3A0-3131979DC9B8}" type="datetimeFigureOut">
               <a:rPr lang="en-US" smtClean="0"/>
-              <a:t>6/25/21</a:t>
+              <a:t>9/20/21</a:t>
             </a:fld>
             <a:endParaRPr lang="en-US"/>
           </a:p>
@@ -2081,7 +2086,7 @@
           <a:p>
             <a:fld id="{7094B5B1-EFDE-2547-B3A0-3131979DC9B8}" type="datetimeFigureOut">
               <a:rPr lang="en-US" smtClean="0"/>
-              <a:t>6/25/21</a:t>
+              <a:t>9/20/21</a:t>
             </a:fld>
             <a:endParaRPr lang="en-US"/>
           </a:p>
@@ -2394,7 +2399,7 @@
           <a:p>
             <a:fld id="{7094B5B1-EFDE-2547-B3A0-3131979DC9B8}" type="datetimeFigureOut">
               <a:rPr lang="en-US" smtClean="0"/>
-              <a:t>6/25/21</a:t>
+              <a:t>9/20/21</a:t>
             </a:fld>
             <a:endParaRPr lang="en-US"/>
           </a:p>
@@ -2683,7 +2688,7 @@
           <a:p>
             <a:fld id="{7094B5B1-EFDE-2547-B3A0-3131979DC9B8}" type="datetimeFigureOut">
               <a:rPr lang="en-US" smtClean="0"/>
-              <a:t>6/25/21</a:t>
+              <a:t>9/20/21</a:t>
             </a:fld>
             <a:endParaRPr lang="en-US"/>
           </a:p>
@@ -2926,7 +2931,7 @@
           <a:p>
             <a:fld id="{7094B5B1-EFDE-2547-B3A0-3131979DC9B8}" type="datetimeFigureOut">
               <a:rPr lang="en-US" smtClean="0"/>
-              <a:t>6/25/21</a:t>
+              <a:t>9/20/21</a:t>
             </a:fld>
             <a:endParaRPr lang="en-US"/>
           </a:p>
@@ -4062,7 +4067,7 @@
         </p:nvSpPr>
         <p:spPr>
           <a:xfrm>
-            <a:off x="2231519" y="5378434"/>
+            <a:off x="2231519" y="5466896"/>
             <a:ext cx="1964266" cy="314531"/>
           </a:xfrm>
           <a:prstGeom prst="ellipse">
@@ -4117,8 +4122,8 @@
         </p:nvSpPr>
         <p:spPr>
           <a:xfrm>
-            <a:off x="2231519" y="2568532"/>
-            <a:ext cx="1964266" cy="314531"/>
+            <a:off x="2206671" y="2170074"/>
+            <a:ext cx="1964266" cy="285616"/>
           </a:xfrm>
           <a:prstGeom prst="ellipse">
             <a:avLst/>
@@ -4873,6 +4878,801 @@
             <a:r>
               <a:rPr lang="en-US" dirty="0"/>
               <a:t>Contains</a:t>
+            </a:r>
+          </a:p>
+        </p:txBody>
+      </p:sp>
+      <p:cxnSp>
+        <p:nvCxnSpPr>
+          <p:cNvPr id="13" name="Elbow Connector 12">
+            <a:extLst>
+              <a:ext uri="{FF2B5EF4-FFF2-40B4-BE49-F238E27FC236}">
+                <a16:creationId xmlns:a16="http://schemas.microsoft.com/office/drawing/2014/main" id="{0F38670A-C8AB-044E-A1A1-C9CBBC282A0F}"/>
+              </a:ext>
+            </a:extLst>
+          </p:cNvPr>
+          <p:cNvCxnSpPr>
+            <a:stCxn id="3" idx="3"/>
+            <a:endCxn id="21" idx="4"/>
+          </p:cNvCxnSpPr>
+          <p:nvPr/>
+        </p:nvCxnSpPr>
+        <p:spPr>
+          <a:xfrm>
+            <a:off x="8494643" y="3497037"/>
+            <a:ext cx="1352116" cy="43135"/>
+          </a:xfrm>
+          <a:prstGeom prst="bentConnector4">
+            <a:avLst>
+              <a:gd name="adj1" fmla="val 13682"/>
+              <a:gd name="adj2" fmla="val 629964"/>
+            </a:avLst>
+          </a:prstGeom>
+          <a:ln>
+            <a:tailEnd type="triangle"/>
+          </a:ln>
+        </p:spPr>
+        <p:style>
+          <a:lnRef idx="2">
+            <a:schemeClr val="accent6"/>
+          </a:lnRef>
+          <a:fillRef idx="0">
+            <a:schemeClr val="accent6"/>
+          </a:fillRef>
+          <a:effectRef idx="1">
+            <a:schemeClr val="accent6"/>
+          </a:effectRef>
+          <a:fontRef idx="minor">
+            <a:schemeClr val="tx1"/>
+          </a:fontRef>
+        </p:style>
+      </p:cxnSp>
+      <p:cxnSp>
+        <p:nvCxnSpPr>
+          <p:cNvPr id="25" name="Elbow Connector 24">
+            <a:extLst>
+              <a:ext uri="{FF2B5EF4-FFF2-40B4-BE49-F238E27FC236}">
+                <a16:creationId xmlns:a16="http://schemas.microsoft.com/office/drawing/2014/main" id="{DD71587A-3189-F640-AEC6-FDF226599A5F}"/>
+              </a:ext>
+            </a:extLst>
+          </p:cNvPr>
+          <p:cNvCxnSpPr>
+            <a:cxnSpLocks/>
+            <a:stCxn id="4" idx="3"/>
+            <a:endCxn id="16" idx="0"/>
+          </p:cNvCxnSpPr>
+          <p:nvPr/>
+        </p:nvCxnSpPr>
+        <p:spPr>
+          <a:xfrm flipV="1">
+            <a:off x="8494643" y="4686914"/>
+            <a:ext cx="1363897" cy="60886"/>
+          </a:xfrm>
+          <a:prstGeom prst="bentConnector4">
+            <a:avLst>
+              <a:gd name="adj1" fmla="val 13995"/>
+              <a:gd name="adj2" fmla="val 930478"/>
+            </a:avLst>
+          </a:prstGeom>
+          <a:ln>
+            <a:tailEnd type="triangle"/>
+          </a:ln>
+        </p:spPr>
+        <p:style>
+          <a:lnRef idx="2">
+            <a:schemeClr val="accent1"/>
+          </a:lnRef>
+          <a:fillRef idx="0">
+            <a:schemeClr val="accent1"/>
+          </a:fillRef>
+          <a:effectRef idx="1">
+            <a:schemeClr val="accent1"/>
+          </a:effectRef>
+          <a:fontRef idx="minor">
+            <a:schemeClr val="tx1"/>
+          </a:fontRef>
+        </p:style>
+      </p:cxnSp>
+      <p:cxnSp>
+        <p:nvCxnSpPr>
+          <p:cNvPr id="27" name="Elbow Connector 26">
+            <a:extLst>
+              <a:ext uri="{FF2B5EF4-FFF2-40B4-BE49-F238E27FC236}">
+                <a16:creationId xmlns:a16="http://schemas.microsoft.com/office/drawing/2014/main" id="{1299B85D-4F33-EC42-BC4D-6D61722EF21B}"/>
+              </a:ext>
+            </a:extLst>
+          </p:cNvPr>
+          <p:cNvCxnSpPr>
+            <a:stCxn id="4" idx="2"/>
+            <a:endCxn id="20" idx="0"/>
+          </p:cNvCxnSpPr>
+          <p:nvPr/>
+        </p:nvCxnSpPr>
+        <p:spPr>
+          <a:xfrm rot="5400000">
+            <a:off x="7279921" y="5231444"/>
+            <a:ext cx="293637" cy="2208"/>
+          </a:xfrm>
+          <a:prstGeom prst="bentConnector3">
+            <a:avLst/>
+          </a:prstGeom>
+          <a:ln>
+            <a:tailEnd type="triangle"/>
+          </a:ln>
+        </p:spPr>
+        <p:style>
+          <a:lnRef idx="2">
+            <a:schemeClr val="accent1"/>
+          </a:lnRef>
+          <a:fillRef idx="0">
+            <a:schemeClr val="accent1"/>
+          </a:fillRef>
+          <a:effectRef idx="1">
+            <a:schemeClr val="accent1"/>
+          </a:effectRef>
+          <a:fontRef idx="minor">
+            <a:schemeClr val="tx1"/>
+          </a:fontRef>
+        </p:style>
+      </p:cxnSp>
+      <p:cxnSp>
+        <p:nvCxnSpPr>
+          <p:cNvPr id="32" name="Elbow Connector 31">
+            <a:extLst>
+              <a:ext uri="{FF2B5EF4-FFF2-40B4-BE49-F238E27FC236}">
+                <a16:creationId xmlns:a16="http://schemas.microsoft.com/office/drawing/2014/main" id="{8AD86B70-B0E5-0247-A383-0D99F48BA5A9}"/>
+              </a:ext>
+            </a:extLst>
+          </p:cNvPr>
+          <p:cNvCxnSpPr>
+            <a:cxnSpLocks/>
+            <a:stCxn id="6" idx="0"/>
+            <a:endCxn id="15" idx="4"/>
+          </p:cNvCxnSpPr>
+          <p:nvPr/>
+        </p:nvCxnSpPr>
+        <p:spPr>
+          <a:xfrm rot="16200000" flipV="1">
+            <a:off x="2851184" y="2793310"/>
+            <a:ext cx="700088" cy="24848"/>
+          </a:xfrm>
+          <a:prstGeom prst="bentConnector3">
+            <a:avLst/>
+          </a:prstGeom>
+          <a:ln>
+            <a:tailEnd type="triangle"/>
+          </a:ln>
+        </p:spPr>
+        <p:style>
+          <a:lnRef idx="2">
+            <a:schemeClr val="accent2"/>
+          </a:lnRef>
+          <a:fillRef idx="0">
+            <a:schemeClr val="accent2"/>
+          </a:fillRef>
+          <a:effectRef idx="1">
+            <a:schemeClr val="accent2"/>
+          </a:effectRef>
+          <a:fontRef idx="minor">
+            <a:schemeClr val="tx1"/>
+          </a:fontRef>
+        </p:style>
+      </p:cxnSp>
+      <p:cxnSp>
+        <p:nvCxnSpPr>
+          <p:cNvPr id="34" name="Elbow Connector 33">
+            <a:extLst>
+              <a:ext uri="{FF2B5EF4-FFF2-40B4-BE49-F238E27FC236}">
+                <a16:creationId xmlns:a16="http://schemas.microsoft.com/office/drawing/2014/main" id="{F69D275F-354A-DE4F-9293-B0A8EA101641}"/>
+              </a:ext>
+            </a:extLst>
+          </p:cNvPr>
+          <p:cNvCxnSpPr>
+            <a:stCxn id="6" idx="1"/>
+            <a:endCxn id="17" idx="0"/>
+          </p:cNvCxnSpPr>
+          <p:nvPr/>
+        </p:nvCxnSpPr>
+        <p:spPr>
+          <a:xfrm rot="10800000">
+            <a:off x="1032198" y="2578483"/>
+            <a:ext cx="1114654" cy="915227"/>
+          </a:xfrm>
+          <a:prstGeom prst="bentConnector4">
+            <a:avLst>
+              <a:gd name="adj1" fmla="val 5944"/>
+              <a:gd name="adj2" fmla="val 124977"/>
+            </a:avLst>
+          </a:prstGeom>
+          <a:ln>
+            <a:tailEnd type="triangle"/>
+          </a:ln>
+        </p:spPr>
+        <p:style>
+          <a:lnRef idx="2">
+            <a:schemeClr val="accent2"/>
+          </a:lnRef>
+          <a:fillRef idx="0">
+            <a:schemeClr val="accent2"/>
+          </a:fillRef>
+          <a:effectRef idx="1">
+            <a:schemeClr val="accent2"/>
+          </a:effectRef>
+          <a:fontRef idx="minor">
+            <a:schemeClr val="tx1"/>
+          </a:fontRef>
+        </p:style>
+      </p:cxnSp>
+      <p:cxnSp>
+        <p:nvCxnSpPr>
+          <p:cNvPr id="36" name="Elbow Connector 35">
+            <a:extLst>
+              <a:ext uri="{FF2B5EF4-FFF2-40B4-BE49-F238E27FC236}">
+                <a16:creationId xmlns:a16="http://schemas.microsoft.com/office/drawing/2014/main" id="{22852DE1-3C0E-5641-89CC-786E4534FFB7}"/>
+              </a:ext>
+            </a:extLst>
+          </p:cNvPr>
+          <p:cNvCxnSpPr>
+            <a:stCxn id="6" idx="1"/>
+            <a:endCxn id="22" idx="4"/>
+          </p:cNvCxnSpPr>
+          <p:nvPr/>
+        </p:nvCxnSpPr>
+        <p:spPr>
+          <a:xfrm rot="10800000" flipV="1">
+            <a:off x="1032198" y="3493708"/>
+            <a:ext cx="1114654" cy="46463"/>
+          </a:xfrm>
+          <a:prstGeom prst="bentConnector4">
+            <a:avLst>
+              <a:gd name="adj1" fmla="val 5944"/>
+              <a:gd name="adj2" fmla="val 1219314"/>
+            </a:avLst>
+          </a:prstGeom>
+          <a:ln>
+            <a:tailEnd type="triangle"/>
+          </a:ln>
+        </p:spPr>
+        <p:style>
+          <a:lnRef idx="2">
+            <a:schemeClr val="accent2"/>
+          </a:lnRef>
+          <a:fillRef idx="0">
+            <a:schemeClr val="accent2"/>
+          </a:fillRef>
+          <a:effectRef idx="1">
+            <a:schemeClr val="accent2"/>
+          </a:effectRef>
+          <a:fontRef idx="minor">
+            <a:schemeClr val="tx1"/>
+          </a:fontRef>
+        </p:style>
+      </p:cxnSp>
+      <p:cxnSp>
+        <p:nvCxnSpPr>
+          <p:cNvPr id="41" name="Elbow Connector 40">
+            <a:extLst>
+              <a:ext uri="{FF2B5EF4-FFF2-40B4-BE49-F238E27FC236}">
+                <a16:creationId xmlns:a16="http://schemas.microsoft.com/office/drawing/2014/main" id="{4B1D0CC4-7D8C-7041-83AC-9C5042CAC16A}"/>
+              </a:ext>
+            </a:extLst>
+          </p:cNvPr>
+          <p:cNvCxnSpPr>
+            <a:stCxn id="5" idx="1"/>
+            <a:endCxn id="18" idx="0"/>
+          </p:cNvCxnSpPr>
+          <p:nvPr/>
+        </p:nvCxnSpPr>
+        <p:spPr>
+          <a:xfrm rot="10800000">
+            <a:off x="982134" y="4617861"/>
+            <a:ext cx="1164719" cy="110040"/>
+          </a:xfrm>
+          <a:prstGeom prst="bentConnector4">
+            <a:avLst>
+              <a:gd name="adj1" fmla="val 7838"/>
+              <a:gd name="adj2" fmla="val 307743"/>
+            </a:avLst>
+          </a:prstGeom>
+          <a:ln>
+            <a:tailEnd type="triangle"/>
+          </a:ln>
+        </p:spPr>
+        <p:style>
+          <a:lnRef idx="2">
+            <a:schemeClr val="accent4"/>
+          </a:lnRef>
+          <a:fillRef idx="0">
+            <a:schemeClr val="accent4"/>
+          </a:fillRef>
+          <a:effectRef idx="1">
+            <a:schemeClr val="accent4"/>
+          </a:effectRef>
+          <a:fontRef idx="minor">
+            <a:schemeClr val="tx1"/>
+          </a:fontRef>
+        </p:style>
+      </p:cxnSp>
+      <p:cxnSp>
+        <p:nvCxnSpPr>
+          <p:cNvPr id="45" name="Elbow Connector 44">
+            <a:extLst>
+              <a:ext uri="{FF2B5EF4-FFF2-40B4-BE49-F238E27FC236}">
+                <a16:creationId xmlns:a16="http://schemas.microsoft.com/office/drawing/2014/main" id="{98674F0D-07D9-D745-8A6E-0EC023CE5C8C}"/>
+              </a:ext>
+            </a:extLst>
+          </p:cNvPr>
+          <p:cNvCxnSpPr>
+            <a:cxnSpLocks/>
+            <a:stCxn id="5" idx="1"/>
+            <a:endCxn id="19" idx="4"/>
+          </p:cNvCxnSpPr>
+          <p:nvPr/>
+        </p:nvCxnSpPr>
+        <p:spPr>
+          <a:xfrm rot="10800000" flipV="1">
+            <a:off x="1042324" y="4727901"/>
+            <a:ext cx="1104529" cy="965064"/>
+          </a:xfrm>
+          <a:prstGeom prst="bentConnector4">
+            <a:avLst>
+              <a:gd name="adj1" fmla="val 5541"/>
+              <a:gd name="adj2" fmla="val 123688"/>
+            </a:avLst>
+          </a:prstGeom>
+          <a:ln>
+            <a:tailEnd type="triangle"/>
+          </a:ln>
+        </p:spPr>
+        <p:style>
+          <a:lnRef idx="2">
+            <a:schemeClr val="accent4"/>
+          </a:lnRef>
+          <a:fillRef idx="0">
+            <a:schemeClr val="accent4"/>
+          </a:fillRef>
+          <a:effectRef idx="1">
+            <a:schemeClr val="accent4"/>
+          </a:effectRef>
+          <a:fontRef idx="minor">
+            <a:schemeClr val="tx1"/>
+          </a:fontRef>
+        </p:style>
+      </p:cxnSp>
+      <p:cxnSp>
+        <p:nvCxnSpPr>
+          <p:cNvPr id="47" name="Elbow Connector 46">
+            <a:extLst>
+              <a:ext uri="{FF2B5EF4-FFF2-40B4-BE49-F238E27FC236}">
+                <a16:creationId xmlns:a16="http://schemas.microsoft.com/office/drawing/2014/main" id="{F8DA63B1-91E2-5545-909A-A9AE122D38B3}"/>
+              </a:ext>
+            </a:extLst>
+          </p:cNvPr>
+          <p:cNvCxnSpPr>
+            <a:stCxn id="5" idx="2"/>
+            <a:endCxn id="14" idx="0"/>
+          </p:cNvCxnSpPr>
+          <p:nvPr/>
+        </p:nvCxnSpPr>
+        <p:spPr>
+          <a:xfrm rot="5400000">
+            <a:off x="3013120" y="5266363"/>
+            <a:ext cx="401065" cy="12700"/>
+          </a:xfrm>
+          <a:prstGeom prst="bentConnector3">
+            <a:avLst/>
+          </a:prstGeom>
+          <a:ln>
+            <a:tailEnd type="triangle"/>
+          </a:ln>
+        </p:spPr>
+        <p:style>
+          <a:lnRef idx="2">
+            <a:schemeClr val="accent4"/>
+          </a:lnRef>
+          <a:fillRef idx="0">
+            <a:schemeClr val="accent4"/>
+          </a:fillRef>
+          <a:effectRef idx="1">
+            <a:schemeClr val="accent4"/>
+          </a:effectRef>
+          <a:fontRef idx="minor">
+            <a:schemeClr val="tx1"/>
+          </a:fontRef>
+        </p:style>
+      </p:cxnSp>
+      <p:cxnSp>
+        <p:nvCxnSpPr>
+          <p:cNvPr id="49" name="Elbow Connector 48">
+            <a:extLst>
+              <a:ext uri="{FF2B5EF4-FFF2-40B4-BE49-F238E27FC236}">
+                <a16:creationId xmlns:a16="http://schemas.microsoft.com/office/drawing/2014/main" id="{93D13F7F-651B-F242-BECD-7AF00DE01C28}"/>
+              </a:ext>
+            </a:extLst>
+          </p:cNvPr>
+          <p:cNvCxnSpPr>
+            <a:stCxn id="3" idx="3"/>
+            <a:endCxn id="23" idx="0"/>
+          </p:cNvCxnSpPr>
+          <p:nvPr/>
+        </p:nvCxnSpPr>
+        <p:spPr>
+          <a:xfrm flipV="1">
+            <a:off x="8494643" y="2553288"/>
+            <a:ext cx="1363897" cy="943749"/>
+          </a:xfrm>
+          <a:prstGeom prst="bentConnector4">
+            <a:avLst>
+              <a:gd name="adj1" fmla="val 13995"/>
+              <a:gd name="adj2" fmla="val 124223"/>
+            </a:avLst>
+          </a:prstGeom>
+          <a:ln>
+            <a:tailEnd type="triangle"/>
+          </a:ln>
+        </p:spPr>
+        <p:style>
+          <a:lnRef idx="2">
+            <a:schemeClr val="accent6"/>
+          </a:lnRef>
+          <a:fillRef idx="0">
+            <a:schemeClr val="accent6"/>
+          </a:fillRef>
+          <a:effectRef idx="1">
+            <a:schemeClr val="accent6"/>
+          </a:effectRef>
+          <a:fontRef idx="minor">
+            <a:schemeClr val="tx1"/>
+          </a:fontRef>
+        </p:style>
+      </p:cxnSp>
+      <p:sp>
+        <p:nvSpPr>
+          <p:cNvPr id="52" name="TextBox 51">
+            <a:extLst>
+              <a:ext uri="{FF2B5EF4-FFF2-40B4-BE49-F238E27FC236}">
+                <a16:creationId xmlns:a16="http://schemas.microsoft.com/office/drawing/2014/main" id="{897D36F2-4BC4-9146-9F95-8918D196822F}"/>
+              </a:ext>
+            </a:extLst>
+          </p:cNvPr>
+          <p:cNvSpPr txBox="1"/>
+          <p:nvPr/>
+        </p:nvSpPr>
+        <p:spPr>
+          <a:xfrm>
+            <a:off x="8639683" y="1894233"/>
+            <a:ext cx="2189209" cy="369332"/>
+          </a:xfrm>
+          <a:prstGeom prst="rect">
+            <a:avLst/>
+          </a:prstGeom>
+          <a:noFill/>
+        </p:spPr>
+        <p:txBody>
+          <a:bodyPr wrap="square" rtlCol="0">
+            <a:spAutoFit/>
+          </a:bodyPr>
+          <a:lstStyle/>
+          <a:p>
+            <a:r>
+              <a:rPr lang="en-US" sz="900" dirty="0"/>
+              <a:t>If a follow b in one or more steps in the same case</a:t>
+            </a:r>
+          </a:p>
+        </p:txBody>
+      </p:sp>
+      <p:sp>
+        <p:nvSpPr>
+          <p:cNvPr id="53" name="TextBox 52">
+            <a:extLst>
+              <a:ext uri="{FF2B5EF4-FFF2-40B4-BE49-F238E27FC236}">
+                <a16:creationId xmlns:a16="http://schemas.microsoft.com/office/drawing/2014/main" id="{89D4B976-0D4A-E34A-99A3-72B427554E39}"/>
+              </a:ext>
+            </a:extLst>
+          </p:cNvPr>
+          <p:cNvSpPr txBox="1"/>
+          <p:nvPr/>
+        </p:nvSpPr>
+        <p:spPr>
+          <a:xfrm>
+            <a:off x="9899303" y="3620850"/>
+            <a:ext cx="1976047" cy="369332"/>
+          </a:xfrm>
+          <a:prstGeom prst="rect">
+            <a:avLst/>
+          </a:prstGeom>
+          <a:noFill/>
+        </p:spPr>
+        <p:txBody>
+          <a:bodyPr wrap="square" rtlCol="0">
+            <a:spAutoFit/>
+          </a:bodyPr>
+          <a:lstStyle/>
+          <a:p>
+            <a:r>
+              <a:rPr lang="en-US" sz="900" dirty="0"/>
+              <a:t>If the resource has changes for the same activity in the same case</a:t>
+            </a:r>
+          </a:p>
+        </p:txBody>
+      </p:sp>
+      <p:sp>
+        <p:nvSpPr>
+          <p:cNvPr id="54" name="TextBox 53">
+            <a:extLst>
+              <a:ext uri="{FF2B5EF4-FFF2-40B4-BE49-F238E27FC236}">
+                <a16:creationId xmlns:a16="http://schemas.microsoft.com/office/drawing/2014/main" id="{FEB3EC2B-EE4D-164B-96FB-E5A1B869C93F}"/>
+              </a:ext>
+            </a:extLst>
+          </p:cNvPr>
+          <p:cNvSpPr txBox="1"/>
+          <p:nvPr/>
+        </p:nvSpPr>
+        <p:spPr>
+          <a:xfrm>
+            <a:off x="9940903" y="4248529"/>
+            <a:ext cx="1976047" cy="369332"/>
+          </a:xfrm>
+          <a:prstGeom prst="rect">
+            <a:avLst/>
+          </a:prstGeom>
+          <a:noFill/>
+        </p:spPr>
+        <p:txBody>
+          <a:bodyPr wrap="square" rtlCol="0">
+            <a:spAutoFit/>
+          </a:bodyPr>
+          <a:lstStyle/>
+          <a:p>
+            <a:r>
+              <a:rPr lang="en-US" sz="900" dirty="0"/>
+              <a:t>If an activity is done by a resource who is not supposed to. </a:t>
+            </a:r>
+          </a:p>
+        </p:txBody>
+      </p:sp>
+      <p:sp>
+        <p:nvSpPr>
+          <p:cNvPr id="55" name="TextBox 54">
+            <a:extLst>
+              <a:ext uri="{FF2B5EF4-FFF2-40B4-BE49-F238E27FC236}">
+                <a16:creationId xmlns:a16="http://schemas.microsoft.com/office/drawing/2014/main" id="{DE8FCCF1-0F25-9842-8057-EDAEF3495813}"/>
+              </a:ext>
+            </a:extLst>
+          </p:cNvPr>
+          <p:cNvSpPr txBox="1"/>
+          <p:nvPr/>
+        </p:nvSpPr>
+        <p:spPr>
+          <a:xfrm>
+            <a:off x="7450406" y="5119970"/>
+            <a:ext cx="2922449" cy="230832"/>
+          </a:xfrm>
+          <a:prstGeom prst="rect">
+            <a:avLst/>
+          </a:prstGeom>
+          <a:noFill/>
+        </p:spPr>
+        <p:txBody>
+          <a:bodyPr wrap="square" rtlCol="0">
+            <a:spAutoFit/>
+          </a:bodyPr>
+          <a:lstStyle/>
+          <a:p>
+            <a:r>
+              <a:rPr lang="en-US" sz="900" dirty="0"/>
+              <a:t>Unutilized time between 2 events</a:t>
+            </a:r>
+          </a:p>
+        </p:txBody>
+      </p:sp>
+      <p:sp>
+        <p:nvSpPr>
+          <p:cNvPr id="58" name="TextBox 57">
+            <a:extLst>
+              <a:ext uri="{FF2B5EF4-FFF2-40B4-BE49-F238E27FC236}">
+                <a16:creationId xmlns:a16="http://schemas.microsoft.com/office/drawing/2014/main" id="{31817C73-A45D-7B4B-849C-CAD1160B3BD3}"/>
+              </a:ext>
+            </a:extLst>
+          </p:cNvPr>
+          <p:cNvSpPr txBox="1"/>
+          <p:nvPr/>
+        </p:nvSpPr>
+        <p:spPr>
+          <a:xfrm>
+            <a:off x="3485136" y="2578482"/>
+            <a:ext cx="2306064" cy="369332"/>
+          </a:xfrm>
+          <a:prstGeom prst="rect">
+            <a:avLst/>
+          </a:prstGeom>
+          <a:noFill/>
+        </p:spPr>
+        <p:txBody>
+          <a:bodyPr wrap="square" rtlCol="0">
+            <a:spAutoFit/>
+          </a:bodyPr>
+          <a:lstStyle/>
+          <a:p>
+            <a:r>
+              <a:rPr lang="en-US" sz="900" dirty="0"/>
+              <a:t>Series of activities occur in a repeated pattern as the process allows it.</a:t>
+            </a:r>
+          </a:p>
+        </p:txBody>
+      </p:sp>
+      <p:sp>
+        <p:nvSpPr>
+          <p:cNvPr id="59" name="TextBox 58">
+            <a:extLst>
+              <a:ext uri="{FF2B5EF4-FFF2-40B4-BE49-F238E27FC236}">
+                <a16:creationId xmlns:a16="http://schemas.microsoft.com/office/drawing/2014/main" id="{FAE4D569-032E-3741-9C89-D43617615278}"/>
+              </a:ext>
+            </a:extLst>
+          </p:cNvPr>
+          <p:cNvSpPr txBox="1"/>
+          <p:nvPr/>
+        </p:nvSpPr>
+        <p:spPr>
+          <a:xfrm>
+            <a:off x="60190" y="2058912"/>
+            <a:ext cx="2259677" cy="369332"/>
+          </a:xfrm>
+          <a:prstGeom prst="rect">
+            <a:avLst/>
+          </a:prstGeom>
+          <a:noFill/>
+        </p:spPr>
+        <p:txBody>
+          <a:bodyPr wrap="square" rtlCol="0">
+            <a:spAutoFit/>
+          </a:bodyPr>
+          <a:lstStyle/>
+          <a:p>
+            <a:r>
+              <a:rPr lang="en-US" sz="900" dirty="0"/>
+              <a:t>Tasks which can be run in parallel that the process allows</a:t>
+            </a:r>
+          </a:p>
+        </p:txBody>
+      </p:sp>
+      <p:sp>
+        <p:nvSpPr>
+          <p:cNvPr id="60" name="TextBox 59">
+            <a:extLst>
+              <a:ext uri="{FF2B5EF4-FFF2-40B4-BE49-F238E27FC236}">
+                <a16:creationId xmlns:a16="http://schemas.microsoft.com/office/drawing/2014/main" id="{7487CE12-BAD0-F543-A25B-3D3520F16537}"/>
+              </a:ext>
+            </a:extLst>
+          </p:cNvPr>
+          <p:cNvSpPr txBox="1"/>
+          <p:nvPr/>
+        </p:nvSpPr>
+        <p:spPr>
+          <a:xfrm>
+            <a:off x="1042323" y="3603751"/>
+            <a:ext cx="982133" cy="507831"/>
+          </a:xfrm>
+          <a:prstGeom prst="rect">
+            <a:avLst/>
+          </a:prstGeom>
+          <a:noFill/>
+        </p:spPr>
+        <p:txBody>
+          <a:bodyPr wrap="square" rtlCol="0">
+            <a:spAutoFit/>
+          </a:bodyPr>
+          <a:lstStyle/>
+          <a:p>
+            <a:r>
+              <a:rPr lang="en-US" sz="900" dirty="0"/>
+              <a:t>Activity that repeats as the process allows it</a:t>
+            </a:r>
+          </a:p>
+        </p:txBody>
+      </p:sp>
+      <p:sp>
+        <p:nvSpPr>
+          <p:cNvPr id="61" name="TextBox 60">
+            <a:extLst>
+              <a:ext uri="{FF2B5EF4-FFF2-40B4-BE49-F238E27FC236}">
+                <a16:creationId xmlns:a16="http://schemas.microsoft.com/office/drawing/2014/main" id="{5536ED13-09B9-0545-9F94-91EFEACD444D}"/>
+              </a:ext>
+            </a:extLst>
+          </p:cNvPr>
+          <p:cNvSpPr txBox="1"/>
+          <p:nvPr/>
+        </p:nvSpPr>
+        <p:spPr>
+          <a:xfrm>
+            <a:off x="3242565" y="5138309"/>
+            <a:ext cx="2170597" cy="230832"/>
+          </a:xfrm>
+          <a:prstGeom prst="rect">
+            <a:avLst/>
+          </a:prstGeom>
+          <a:noFill/>
+        </p:spPr>
+        <p:txBody>
+          <a:bodyPr wrap="square" rtlCol="0">
+            <a:spAutoFit/>
+          </a:bodyPr>
+          <a:lstStyle/>
+          <a:p>
+            <a:r>
+              <a:rPr lang="en-US" sz="900" dirty="0"/>
+              <a:t>Activity that is in forbidden list</a:t>
+            </a:r>
+          </a:p>
+        </p:txBody>
+      </p:sp>
+      <p:sp>
+        <p:nvSpPr>
+          <p:cNvPr id="62" name="TextBox 61">
+            <a:extLst>
+              <a:ext uri="{FF2B5EF4-FFF2-40B4-BE49-F238E27FC236}">
+                <a16:creationId xmlns:a16="http://schemas.microsoft.com/office/drawing/2014/main" id="{590AFA80-31FF-194E-A703-C4E445D9548D}"/>
+              </a:ext>
+            </a:extLst>
+          </p:cNvPr>
+          <p:cNvSpPr txBox="1"/>
+          <p:nvPr/>
+        </p:nvSpPr>
+        <p:spPr>
+          <a:xfrm>
+            <a:off x="264952" y="6060727"/>
+            <a:ext cx="2599082" cy="230832"/>
+          </a:xfrm>
+          <a:prstGeom prst="rect">
+            <a:avLst/>
+          </a:prstGeom>
+          <a:noFill/>
+        </p:spPr>
+        <p:txBody>
+          <a:bodyPr wrap="square" rtlCol="0">
+            <a:spAutoFit/>
+          </a:bodyPr>
+          <a:lstStyle/>
+          <a:p>
+            <a:r>
+              <a:rPr lang="en-IN" sz="900" dirty="0"/>
+              <a:t>Min, Max, Average, Variance for each activity</a:t>
+            </a:r>
+            <a:endParaRPr lang="en-US" sz="900" dirty="0"/>
+          </a:p>
+        </p:txBody>
+      </p:sp>
+      <p:sp>
+        <p:nvSpPr>
+          <p:cNvPr id="63" name="TextBox 62">
+            <a:extLst>
+              <a:ext uri="{FF2B5EF4-FFF2-40B4-BE49-F238E27FC236}">
+                <a16:creationId xmlns:a16="http://schemas.microsoft.com/office/drawing/2014/main" id="{0DE36EAE-B5FB-F14F-8E82-7FF4754AB8D2}"/>
+              </a:ext>
+            </a:extLst>
+          </p:cNvPr>
+          <p:cNvSpPr txBox="1"/>
+          <p:nvPr/>
+        </p:nvSpPr>
+        <p:spPr>
+          <a:xfrm>
+            <a:off x="-16357" y="4159013"/>
+            <a:ext cx="2864034" cy="369332"/>
+          </a:xfrm>
+          <a:prstGeom prst="rect">
+            <a:avLst/>
+          </a:prstGeom>
+          <a:noFill/>
+        </p:spPr>
+        <p:txBody>
+          <a:bodyPr wrap="square" rtlCol="0">
+            <a:spAutoFit/>
+          </a:bodyPr>
+          <a:lstStyle/>
+          <a:p>
+            <a:r>
+              <a:rPr lang="en-US" sz="900" dirty="0"/>
+              <a:t>Activity that took the maximum time across the log or in a case</a:t>
             </a:r>
           </a:p>
         </p:txBody>
